--- a/ios/resources/shapes.pptx
+++ b/ios/resources/shapes.pptx
@@ -4,6 +4,9 @@
   <p:sldMasterIdLst>
     <p:sldMasterId id="2147483648" r:id="rId1"/>
   </p:sldMasterIdLst>
+  <p:notesMasterIdLst>
+    <p:notesMasterId r:id="rId20"/>
+  </p:notesMasterIdLst>
   <p:sldIdLst>
     <p:sldId id="256" r:id="rId2"/>
     <p:sldId id="260" r:id="rId3"/>
@@ -14,6 +17,15 @@
     <p:sldId id="263" r:id="rId8"/>
     <p:sldId id="264" r:id="rId9"/>
     <p:sldId id="265" r:id="rId10"/>
+    <p:sldId id="266" r:id="rId11"/>
+    <p:sldId id="267" r:id="rId12"/>
+    <p:sldId id="268" r:id="rId13"/>
+    <p:sldId id="270" r:id="rId14"/>
+    <p:sldId id="269" r:id="rId15"/>
+    <p:sldId id="271" r:id="rId16"/>
+    <p:sldId id="272" r:id="rId17"/>
+    <p:sldId id="273" r:id="rId18"/>
+    <p:sldId id="274" r:id="rId19"/>
   </p:sldIdLst>
   <p:sldSz cx="12192000" cy="6858000"/>
   <p:notesSz cx="6858000" cy="9144000"/>
@@ -112,7 +124,392 @@
       </a:defRPr>
     </a:lvl9pPr>
   </p:defaultTextStyle>
+  <p:extLst>
+    <p:ext uri="{521415D9-36F7-43E2-AB2F-B90AF26B5E84}">
+      <p14:sectionLst xmlns:p14="http://schemas.microsoft.com/office/powerpoint/2010/main">
+        <p14:section name="Basic shapes (blue)" id="{C15E211E-56C3-E945-B93C-49581731D7FA}">
+          <p14:sldIdLst>
+            <p14:sldId id="256"/>
+            <p14:sldId id="260"/>
+            <p14:sldId id="258"/>
+            <p14:sldId id="259"/>
+            <p14:sldId id="261"/>
+            <p14:sldId id="262"/>
+            <p14:sldId id="263"/>
+            <p14:sldId id="264"/>
+            <p14:sldId id="265"/>
+          </p14:sldIdLst>
+        </p14:section>
+        <p14:section name="3 per page" id="{7AB835C9-567C-424A-A48A-B2CFFC1ACDC0}">
+          <p14:sldIdLst>
+            <p14:sldId id="266"/>
+            <p14:sldId id="267"/>
+            <p14:sldId id="268"/>
+            <p14:sldId id="270"/>
+            <p14:sldId id="269"/>
+            <p14:sldId id="271"/>
+            <p14:sldId id="272"/>
+            <p14:sldId id="273"/>
+            <p14:sldId id="274"/>
+          </p14:sldIdLst>
+        </p14:section>
+      </p14:sectionLst>
+    </p:ext>
+    <p:ext uri="{EFAFB233-063F-42B5-8137-9DF3F51BA10A}">
+      <p15:sldGuideLst xmlns:p15="http://schemas.microsoft.com/office/powerpoint/2012/main"/>
+    </p:ext>
+  </p:extLst>
 </p:presentation>
+</file>
+
+<file path=ppt/notesMasters/notesMaster1.xml><?xml version="1.0" encoding="utf-8"?>
+<p:notesMaster xmlns:a="http://schemas.openxmlformats.org/drawingml/2006/main" xmlns:r="http://schemas.openxmlformats.org/officeDocument/2006/relationships" xmlns:p="http://schemas.openxmlformats.org/presentationml/2006/main">
+  <p:cSld>
+    <p:bg>
+      <p:bgRef idx="1001">
+        <a:schemeClr val="bg1"/>
+      </p:bgRef>
+    </p:bg>
+    <p:spTree>
+      <p:nvGrpSpPr>
+        <p:cNvPr id="1" name=""/>
+        <p:cNvGrpSpPr/>
+        <p:nvPr/>
+      </p:nvGrpSpPr>
+      <p:grpSpPr>
+        <a:xfrm>
+          <a:off x="0" y="0"/>
+          <a:ext cx="0" cy="0"/>
+          <a:chOff x="0" y="0"/>
+          <a:chExt cx="0" cy="0"/>
+        </a:xfrm>
+      </p:grpSpPr>
+      <p:sp>
+        <p:nvSpPr>
+          <p:cNvPr id="2" name="Header Placeholder 1"/>
+          <p:cNvSpPr>
+            <a:spLocks noGrp="1"/>
+          </p:cNvSpPr>
+          <p:nvPr>
+            <p:ph type="hdr" sz="quarter"/>
+          </p:nvPr>
+        </p:nvSpPr>
+        <p:spPr>
+          <a:xfrm>
+            <a:off x="0" y="0"/>
+            <a:ext cx="2971800" cy="458788"/>
+          </a:xfrm>
+          <a:prstGeom prst="rect">
+            <a:avLst/>
+          </a:prstGeom>
+        </p:spPr>
+        <p:txBody>
+          <a:bodyPr vert="horz" lIns="91440" tIns="45720" rIns="91440" bIns="45720" rtlCol="0"/>
+          <a:lstStyle>
+            <a:lvl1pPr algn="l">
+              <a:defRPr sz="1200"/>
+            </a:lvl1pPr>
+          </a:lstStyle>
+          <a:p>
+            <a:endParaRPr lang="en-US"/>
+          </a:p>
+        </p:txBody>
+      </p:sp>
+      <p:sp>
+        <p:nvSpPr>
+          <p:cNvPr id="3" name="Date Placeholder 2"/>
+          <p:cNvSpPr>
+            <a:spLocks noGrp="1"/>
+          </p:cNvSpPr>
+          <p:nvPr>
+            <p:ph type="dt" idx="1"/>
+          </p:nvPr>
+        </p:nvSpPr>
+        <p:spPr>
+          <a:xfrm>
+            <a:off x="3884613" y="0"/>
+            <a:ext cx="2971800" cy="458788"/>
+          </a:xfrm>
+          <a:prstGeom prst="rect">
+            <a:avLst/>
+          </a:prstGeom>
+        </p:spPr>
+        <p:txBody>
+          <a:bodyPr vert="horz" lIns="91440" tIns="45720" rIns="91440" bIns="45720" rtlCol="0"/>
+          <a:lstStyle>
+            <a:lvl1pPr algn="r">
+              <a:defRPr sz="1200"/>
+            </a:lvl1pPr>
+          </a:lstStyle>
+          <a:p>
+            <a:fld id="{80354298-FA31-F84C-AB77-2AD6A47DCE16}" type="datetimeFigureOut">
+              <a:rPr lang="en-US" smtClean="0"/>
+              <a:t>10/15/17</a:t>
+            </a:fld>
+            <a:endParaRPr lang="en-US"/>
+          </a:p>
+        </p:txBody>
+      </p:sp>
+      <p:sp>
+        <p:nvSpPr>
+          <p:cNvPr id="4" name="Slide Image Placeholder 3"/>
+          <p:cNvSpPr>
+            <a:spLocks noGrp="1" noRot="1" noChangeAspect="1"/>
+          </p:cNvSpPr>
+          <p:nvPr>
+            <p:ph type="sldImg" idx="2"/>
+          </p:nvPr>
+        </p:nvSpPr>
+        <p:spPr>
+          <a:xfrm>
+            <a:off x="685800" y="1143000"/>
+            <a:ext cx="5486400" cy="3086100"/>
+          </a:xfrm>
+          <a:prstGeom prst="rect">
+            <a:avLst/>
+          </a:prstGeom>
+          <a:noFill/>
+          <a:ln w="12700">
+            <a:solidFill>
+              <a:prstClr val="black"/>
+            </a:solidFill>
+          </a:ln>
+        </p:spPr>
+        <p:txBody>
+          <a:bodyPr vert="horz" lIns="91440" tIns="45720" rIns="91440" bIns="45720" rtlCol="0" anchor="ctr"/>
+          <a:lstStyle/>
+          <a:p>
+            <a:endParaRPr lang="en-US"/>
+          </a:p>
+        </p:txBody>
+      </p:sp>
+      <p:sp>
+        <p:nvSpPr>
+          <p:cNvPr id="5" name="Notes Placeholder 4"/>
+          <p:cNvSpPr>
+            <a:spLocks noGrp="1"/>
+          </p:cNvSpPr>
+          <p:nvPr>
+            <p:ph type="body" sz="quarter" idx="3"/>
+          </p:nvPr>
+        </p:nvSpPr>
+        <p:spPr>
+          <a:xfrm>
+            <a:off x="685800" y="4400550"/>
+            <a:ext cx="5486400" cy="3600450"/>
+          </a:xfrm>
+          <a:prstGeom prst="rect">
+            <a:avLst/>
+          </a:prstGeom>
+        </p:spPr>
+        <p:txBody>
+          <a:bodyPr vert="horz" lIns="91440" tIns="45720" rIns="91440" bIns="45720" rtlCol="0"/>
+          <a:lstStyle/>
+          <a:p>
+            <a:pPr lvl="0"/>
+            <a:r>
+              <a:rPr lang="en-US" smtClean="0"/>
+              <a:t>Click to edit Master text styles</a:t>
+            </a:r>
+          </a:p>
+          <a:p>
+            <a:pPr lvl="1"/>
+            <a:r>
+              <a:rPr lang="en-US" smtClean="0"/>
+              <a:t>Second level</a:t>
+            </a:r>
+          </a:p>
+          <a:p>
+            <a:pPr lvl="2"/>
+            <a:r>
+              <a:rPr lang="en-US" smtClean="0"/>
+              <a:t>Third level</a:t>
+            </a:r>
+          </a:p>
+          <a:p>
+            <a:pPr lvl="3"/>
+            <a:r>
+              <a:rPr lang="en-US" smtClean="0"/>
+              <a:t>Fourth level</a:t>
+            </a:r>
+          </a:p>
+          <a:p>
+            <a:pPr lvl="4"/>
+            <a:r>
+              <a:rPr lang="en-US" smtClean="0"/>
+              <a:t>Fifth level</a:t>
+            </a:r>
+            <a:endParaRPr lang="en-US"/>
+          </a:p>
+        </p:txBody>
+      </p:sp>
+      <p:sp>
+        <p:nvSpPr>
+          <p:cNvPr id="6" name="Footer Placeholder 5"/>
+          <p:cNvSpPr>
+            <a:spLocks noGrp="1"/>
+          </p:cNvSpPr>
+          <p:nvPr>
+            <p:ph type="ftr" sz="quarter" idx="4"/>
+          </p:nvPr>
+        </p:nvSpPr>
+        <p:spPr>
+          <a:xfrm>
+            <a:off x="0" y="8685213"/>
+            <a:ext cx="2971800" cy="458787"/>
+          </a:xfrm>
+          <a:prstGeom prst="rect">
+            <a:avLst/>
+          </a:prstGeom>
+        </p:spPr>
+        <p:txBody>
+          <a:bodyPr vert="horz" lIns="91440" tIns="45720" rIns="91440" bIns="45720" rtlCol="0" anchor="b"/>
+          <a:lstStyle>
+            <a:lvl1pPr algn="l">
+              <a:defRPr sz="1200"/>
+            </a:lvl1pPr>
+          </a:lstStyle>
+          <a:p>
+            <a:endParaRPr lang="en-US"/>
+          </a:p>
+        </p:txBody>
+      </p:sp>
+      <p:sp>
+        <p:nvSpPr>
+          <p:cNvPr id="7" name="Slide Number Placeholder 6"/>
+          <p:cNvSpPr>
+            <a:spLocks noGrp="1"/>
+          </p:cNvSpPr>
+          <p:nvPr>
+            <p:ph type="sldNum" sz="quarter" idx="5"/>
+          </p:nvPr>
+        </p:nvSpPr>
+        <p:spPr>
+          <a:xfrm>
+            <a:off x="3884613" y="8685213"/>
+            <a:ext cx="2971800" cy="458787"/>
+          </a:xfrm>
+          <a:prstGeom prst="rect">
+            <a:avLst/>
+          </a:prstGeom>
+        </p:spPr>
+        <p:txBody>
+          <a:bodyPr vert="horz" lIns="91440" tIns="45720" rIns="91440" bIns="45720" rtlCol="0" anchor="b"/>
+          <a:lstStyle>
+            <a:lvl1pPr algn="r">
+              <a:defRPr sz="1200"/>
+            </a:lvl1pPr>
+          </a:lstStyle>
+          <a:p>
+            <a:fld id="{F45E9892-9A80-334F-A21B-E4928074899C}" type="slidenum">
+              <a:rPr lang="en-US" smtClean="0"/>
+              <a:t>‹#›</a:t>
+            </a:fld>
+            <a:endParaRPr lang="en-US"/>
+          </a:p>
+        </p:txBody>
+      </p:sp>
+    </p:spTree>
+    <p:extLst>
+      <p:ext uri="{BB962C8B-B14F-4D97-AF65-F5344CB8AC3E}">
+        <p14:creationId xmlns:p14="http://schemas.microsoft.com/office/powerpoint/2010/main" val="1177896218"/>
+      </p:ext>
+    </p:extLst>
+  </p:cSld>
+  <p:clrMap bg1="lt1" tx1="dk1" bg2="lt2" tx2="dk2" accent1="accent1" accent2="accent2" accent3="accent3" accent4="accent4" accent5="accent5" accent6="accent6" hlink="hlink" folHlink="folHlink"/>
+  <p:notesStyle>
+    <a:lvl1pPr marL="0" algn="l" defTabSz="914400" rtl="0" eaLnBrk="1" latinLnBrk="0" hangingPunct="1">
+      <a:defRPr sz="1200" kern="1200">
+        <a:solidFill>
+          <a:schemeClr val="tx1"/>
+        </a:solidFill>
+        <a:latin typeface="+mn-lt"/>
+        <a:ea typeface="+mn-ea"/>
+        <a:cs typeface="+mn-cs"/>
+      </a:defRPr>
+    </a:lvl1pPr>
+    <a:lvl2pPr marL="457200" algn="l" defTabSz="914400" rtl="0" eaLnBrk="1" latinLnBrk="0" hangingPunct="1">
+      <a:defRPr sz="1200" kern="1200">
+        <a:solidFill>
+          <a:schemeClr val="tx1"/>
+        </a:solidFill>
+        <a:latin typeface="+mn-lt"/>
+        <a:ea typeface="+mn-ea"/>
+        <a:cs typeface="+mn-cs"/>
+      </a:defRPr>
+    </a:lvl2pPr>
+    <a:lvl3pPr marL="914400" algn="l" defTabSz="914400" rtl="0" eaLnBrk="1" latinLnBrk="0" hangingPunct="1">
+      <a:defRPr sz="1200" kern="1200">
+        <a:solidFill>
+          <a:schemeClr val="tx1"/>
+        </a:solidFill>
+        <a:latin typeface="+mn-lt"/>
+        <a:ea typeface="+mn-ea"/>
+        <a:cs typeface="+mn-cs"/>
+      </a:defRPr>
+    </a:lvl3pPr>
+    <a:lvl4pPr marL="1371600" algn="l" defTabSz="914400" rtl="0" eaLnBrk="1" latinLnBrk="0" hangingPunct="1">
+      <a:defRPr sz="1200" kern="1200">
+        <a:solidFill>
+          <a:schemeClr val="tx1"/>
+        </a:solidFill>
+        <a:latin typeface="+mn-lt"/>
+        <a:ea typeface="+mn-ea"/>
+        <a:cs typeface="+mn-cs"/>
+      </a:defRPr>
+    </a:lvl4pPr>
+    <a:lvl5pPr marL="1828800" algn="l" defTabSz="914400" rtl="0" eaLnBrk="1" latinLnBrk="0" hangingPunct="1">
+      <a:defRPr sz="1200" kern="1200">
+        <a:solidFill>
+          <a:schemeClr val="tx1"/>
+        </a:solidFill>
+        <a:latin typeface="+mn-lt"/>
+        <a:ea typeface="+mn-ea"/>
+        <a:cs typeface="+mn-cs"/>
+      </a:defRPr>
+    </a:lvl5pPr>
+    <a:lvl6pPr marL="2286000" algn="l" defTabSz="914400" rtl="0" eaLnBrk="1" latinLnBrk="0" hangingPunct="1">
+      <a:defRPr sz="1200" kern="1200">
+        <a:solidFill>
+          <a:schemeClr val="tx1"/>
+        </a:solidFill>
+        <a:latin typeface="+mn-lt"/>
+        <a:ea typeface="+mn-ea"/>
+        <a:cs typeface="+mn-cs"/>
+      </a:defRPr>
+    </a:lvl6pPr>
+    <a:lvl7pPr marL="2743200" algn="l" defTabSz="914400" rtl="0" eaLnBrk="1" latinLnBrk="0" hangingPunct="1">
+      <a:defRPr sz="1200" kern="1200">
+        <a:solidFill>
+          <a:schemeClr val="tx1"/>
+        </a:solidFill>
+        <a:latin typeface="+mn-lt"/>
+        <a:ea typeface="+mn-ea"/>
+        <a:cs typeface="+mn-cs"/>
+      </a:defRPr>
+    </a:lvl7pPr>
+    <a:lvl8pPr marL="3200400" algn="l" defTabSz="914400" rtl="0" eaLnBrk="1" latinLnBrk="0" hangingPunct="1">
+      <a:defRPr sz="1200" kern="1200">
+        <a:solidFill>
+          <a:schemeClr val="tx1"/>
+        </a:solidFill>
+        <a:latin typeface="+mn-lt"/>
+        <a:ea typeface="+mn-ea"/>
+        <a:cs typeface="+mn-cs"/>
+      </a:defRPr>
+    </a:lvl8pPr>
+    <a:lvl9pPr marL="3657600" algn="l" defTabSz="914400" rtl="0" eaLnBrk="1" latinLnBrk="0" hangingPunct="1">
+      <a:defRPr sz="1200" kern="1200">
+        <a:solidFill>
+          <a:schemeClr val="tx1"/>
+        </a:solidFill>
+        <a:latin typeface="+mn-lt"/>
+        <a:ea typeface="+mn-ea"/>
+        <a:cs typeface="+mn-cs"/>
+      </a:defRPr>
+    </a:lvl9pPr>
+  </p:notesStyle>
+</p:notesMaster>
 </file>
 
 <file path=ppt/slideLayouts/slideLayout1.xml><?xml version="1.0" encoding="utf-8"?>
@@ -3053,6 +3450,1709 @@
 </p:sld>
 </file>
 
+<file path=ppt/slides/slide10.xml><?xml version="1.0" encoding="utf-8"?>
+<p:sld xmlns:a="http://schemas.openxmlformats.org/drawingml/2006/main" xmlns:r="http://schemas.openxmlformats.org/officeDocument/2006/relationships" xmlns:p="http://schemas.openxmlformats.org/presentationml/2006/main">
+  <p:cSld>
+    <p:spTree>
+      <p:nvGrpSpPr>
+        <p:cNvPr id="1" name=""/>
+        <p:cNvGrpSpPr/>
+        <p:nvPr/>
+      </p:nvGrpSpPr>
+      <p:grpSpPr>
+        <a:xfrm>
+          <a:off x="0" y="0"/>
+          <a:ext cx="0" cy="0"/>
+          <a:chOff x="0" y="0"/>
+          <a:chExt cx="0" cy="0"/>
+        </a:xfrm>
+      </p:grpSpPr>
+      <p:sp>
+        <p:nvSpPr>
+          <p:cNvPr id="4" name="Rectangle 3"/>
+          <p:cNvSpPr/>
+          <p:nvPr/>
+        </p:nvSpPr>
+        <p:spPr>
+          <a:xfrm rot="20189180">
+            <a:off x="5073494" y="3993889"/>
+            <a:ext cx="3625518" cy="1812759"/>
+          </a:xfrm>
+          <a:prstGeom prst="rect">
+            <a:avLst/>
+          </a:prstGeom>
+          <a:solidFill>
+            <a:srgbClr val="0432FF"/>
+          </a:solidFill>
+        </p:spPr>
+        <p:style>
+          <a:lnRef idx="1">
+            <a:schemeClr val="dk1"/>
+          </a:lnRef>
+          <a:fillRef idx="2">
+            <a:schemeClr val="dk1"/>
+          </a:fillRef>
+          <a:effectRef idx="1">
+            <a:schemeClr val="dk1"/>
+          </a:effectRef>
+          <a:fontRef idx="minor">
+            <a:schemeClr val="dk1"/>
+          </a:fontRef>
+        </p:style>
+        <p:txBody>
+          <a:bodyPr rtlCol="0" anchor="ctr"/>
+          <a:lstStyle/>
+          <a:p>
+            <a:pPr algn="ctr"/>
+            <a:endParaRPr lang="en-US"/>
+          </a:p>
+        </p:txBody>
+      </p:sp>
+      <p:sp>
+        <p:nvSpPr>
+          <p:cNvPr id="5" name="Title 4"/>
+          <p:cNvSpPr>
+            <a:spLocks noGrp="1"/>
+          </p:cNvSpPr>
+          <p:nvPr>
+            <p:ph type="title"/>
+          </p:nvPr>
+        </p:nvSpPr>
+        <p:spPr>
+          <a:xfrm>
+            <a:off x="1362075" y="7072316"/>
+            <a:ext cx="1990725" cy="1325563"/>
+          </a:xfrm>
+        </p:spPr>
+        <p:txBody>
+          <a:bodyPr/>
+          <a:lstStyle/>
+          <a:p>
+            <a:r>
+              <a:rPr lang="en-US" smtClean="0"/>
+              <a:t>square</a:t>
+            </a:r>
+            <a:endParaRPr lang="en-US"/>
+          </a:p>
+        </p:txBody>
+      </p:sp>
+      <p:sp>
+        <p:nvSpPr>
+          <p:cNvPr id="6" name="Rectangle 5"/>
+          <p:cNvSpPr/>
+          <p:nvPr/>
+        </p:nvSpPr>
+        <p:spPr>
+          <a:xfrm rot="1142896">
+            <a:off x="1993232" y="991168"/>
+            <a:ext cx="3625518" cy="1812759"/>
+          </a:xfrm>
+          <a:prstGeom prst="rect">
+            <a:avLst/>
+          </a:prstGeom>
+          <a:solidFill>
+            <a:srgbClr val="797979"/>
+          </a:solidFill>
+        </p:spPr>
+        <p:style>
+          <a:lnRef idx="2">
+            <a:schemeClr val="dk1">
+              <a:shade val="50000"/>
+            </a:schemeClr>
+          </a:lnRef>
+          <a:fillRef idx="1">
+            <a:schemeClr val="dk1"/>
+          </a:fillRef>
+          <a:effectRef idx="0">
+            <a:schemeClr val="dk1"/>
+          </a:effectRef>
+          <a:fontRef idx="minor">
+            <a:schemeClr val="lt1"/>
+          </a:fontRef>
+        </p:style>
+        <p:txBody>
+          <a:bodyPr rtlCol="0" anchor="ctr"/>
+          <a:lstStyle/>
+          <a:p>
+            <a:pPr algn="ctr"/>
+            <a:endParaRPr lang="en-US"/>
+          </a:p>
+        </p:txBody>
+      </p:sp>
+      <p:sp>
+        <p:nvSpPr>
+          <p:cNvPr id="7" name="Rectangle 6"/>
+          <p:cNvSpPr/>
+          <p:nvPr/>
+        </p:nvSpPr>
+        <p:spPr>
+          <a:xfrm rot="666331">
+            <a:off x="7068261" y="1200961"/>
+            <a:ext cx="3625518" cy="1812759"/>
+          </a:xfrm>
+          <a:prstGeom prst="rect">
+            <a:avLst/>
+          </a:prstGeom>
+          <a:solidFill>
+            <a:srgbClr val="008F00"/>
+          </a:solidFill>
+        </p:spPr>
+        <p:style>
+          <a:lnRef idx="2">
+            <a:schemeClr val="accent1">
+              <a:shade val="50000"/>
+            </a:schemeClr>
+          </a:lnRef>
+          <a:fillRef idx="1">
+            <a:schemeClr val="accent1"/>
+          </a:fillRef>
+          <a:effectRef idx="0">
+            <a:schemeClr val="accent1"/>
+          </a:effectRef>
+          <a:fontRef idx="minor">
+            <a:schemeClr val="lt1"/>
+          </a:fontRef>
+        </p:style>
+        <p:txBody>
+          <a:bodyPr rtlCol="0" anchor="ctr"/>
+          <a:lstStyle/>
+          <a:p>
+            <a:pPr algn="ctr"/>
+            <a:endParaRPr lang="en-US"/>
+          </a:p>
+        </p:txBody>
+      </p:sp>
+    </p:spTree>
+    <p:extLst>
+      <p:ext uri="{BB962C8B-B14F-4D97-AF65-F5344CB8AC3E}">
+        <p14:creationId xmlns:p14="http://schemas.microsoft.com/office/powerpoint/2010/main" val="1412445132"/>
+      </p:ext>
+    </p:extLst>
+  </p:cSld>
+  <p:clrMapOvr>
+    <a:masterClrMapping/>
+  </p:clrMapOvr>
+</p:sld>
+</file>
+
+<file path=ppt/slides/slide11.xml><?xml version="1.0" encoding="utf-8"?>
+<p:sld xmlns:a="http://schemas.openxmlformats.org/drawingml/2006/main" xmlns:r="http://schemas.openxmlformats.org/officeDocument/2006/relationships" xmlns:p="http://schemas.openxmlformats.org/presentationml/2006/main">
+  <p:cSld>
+    <p:spTree>
+      <p:nvGrpSpPr>
+        <p:cNvPr id="1" name=""/>
+        <p:cNvGrpSpPr/>
+        <p:nvPr/>
+      </p:nvGrpSpPr>
+      <p:grpSpPr>
+        <a:xfrm>
+          <a:off x="0" y="0"/>
+          <a:ext cx="0" cy="0"/>
+          <a:chOff x="0" y="0"/>
+          <a:chExt cx="0" cy="0"/>
+        </a:xfrm>
+      </p:grpSpPr>
+      <p:sp>
+        <p:nvSpPr>
+          <p:cNvPr id="4" name="Rectangle 3"/>
+          <p:cNvSpPr/>
+          <p:nvPr/>
+        </p:nvSpPr>
+        <p:spPr>
+          <a:xfrm rot="989351">
+            <a:off x="3726581" y="1133675"/>
+            <a:ext cx="3657600" cy="3657600"/>
+          </a:xfrm>
+          <a:prstGeom prst="rect">
+            <a:avLst/>
+          </a:prstGeom>
+          <a:gradFill>
+            <a:gsLst>
+              <a:gs pos="0">
+                <a:srgbClr val="7A81FF"/>
+              </a:gs>
+              <a:gs pos="31000">
+                <a:schemeClr val="accent1">
+                  <a:lumMod val="35000"/>
+                  <a:lumOff val="65000"/>
+                </a:schemeClr>
+              </a:gs>
+              <a:gs pos="83000">
+                <a:schemeClr val="accent1">
+                  <a:lumMod val="45000"/>
+                  <a:lumOff val="55000"/>
+                </a:schemeClr>
+              </a:gs>
+              <a:gs pos="100000">
+                <a:schemeClr val="accent1">
+                  <a:lumMod val="30000"/>
+                  <a:lumOff val="70000"/>
+                </a:schemeClr>
+              </a:gs>
+            </a:gsLst>
+            <a:lin ang="5400000" scaled="1"/>
+          </a:gradFill>
+        </p:spPr>
+        <p:style>
+          <a:lnRef idx="2">
+            <a:schemeClr val="accent1">
+              <a:shade val="50000"/>
+            </a:schemeClr>
+          </a:lnRef>
+          <a:fillRef idx="1">
+            <a:schemeClr val="accent1"/>
+          </a:fillRef>
+          <a:effectRef idx="0">
+            <a:schemeClr val="accent1"/>
+          </a:effectRef>
+          <a:fontRef idx="minor">
+            <a:schemeClr val="lt1"/>
+          </a:fontRef>
+        </p:style>
+        <p:txBody>
+          <a:bodyPr rtlCol="0" anchor="ctr"/>
+          <a:lstStyle/>
+          <a:p>
+            <a:pPr algn="ctr"/>
+            <a:endParaRPr lang="en-US"/>
+          </a:p>
+        </p:txBody>
+      </p:sp>
+      <p:sp>
+        <p:nvSpPr>
+          <p:cNvPr id="3" name="Rectangle 2"/>
+          <p:cNvSpPr/>
+          <p:nvPr/>
+        </p:nvSpPr>
+        <p:spPr>
+          <a:xfrm>
+            <a:off x="1291391" y="2711817"/>
+            <a:ext cx="501316" cy="501316"/>
+          </a:xfrm>
+          <a:prstGeom prst="rect">
+            <a:avLst/>
+          </a:prstGeom>
+          <a:solidFill>
+            <a:srgbClr val="FF8AD8"/>
+          </a:solidFill>
+        </p:spPr>
+        <p:style>
+          <a:lnRef idx="2">
+            <a:schemeClr val="accent1">
+              <a:shade val="50000"/>
+            </a:schemeClr>
+          </a:lnRef>
+          <a:fillRef idx="1">
+            <a:schemeClr val="accent1"/>
+          </a:fillRef>
+          <a:effectRef idx="0">
+            <a:schemeClr val="accent1"/>
+          </a:effectRef>
+          <a:fontRef idx="minor">
+            <a:schemeClr val="lt1"/>
+          </a:fontRef>
+        </p:style>
+        <p:txBody>
+          <a:bodyPr rtlCol="0" anchor="ctr"/>
+          <a:lstStyle/>
+          <a:p>
+            <a:pPr algn="ctr"/>
+            <a:endParaRPr lang="en-US"/>
+          </a:p>
+        </p:txBody>
+      </p:sp>
+      <p:sp>
+        <p:nvSpPr>
+          <p:cNvPr id="5" name="Rectangle 4"/>
+          <p:cNvSpPr/>
+          <p:nvPr/>
+        </p:nvSpPr>
+        <p:spPr>
+          <a:xfrm>
+            <a:off x="8516754" y="1700464"/>
+            <a:ext cx="2486526" cy="2486526"/>
+          </a:xfrm>
+          <a:prstGeom prst="rect">
+            <a:avLst/>
+          </a:prstGeom>
+          <a:solidFill>
+            <a:srgbClr val="73FB79"/>
+          </a:solidFill>
+          <a:ln w="127000">
+            <a:prstDash val="sysDot"/>
+          </a:ln>
+          <a:effectLst>
+            <a:glow rad="800100">
+              <a:schemeClr val="accent1">
+                <a:alpha val="40000"/>
+              </a:schemeClr>
+            </a:glow>
+            <a:outerShdw dist="50800" dir="5400000" algn="ctr" rotWithShape="0">
+              <a:srgbClr val="000000">
+                <a:alpha val="43137"/>
+              </a:srgbClr>
+            </a:outerShdw>
+          </a:effectLst>
+        </p:spPr>
+        <p:style>
+          <a:lnRef idx="2">
+            <a:schemeClr val="accent1">
+              <a:shade val="50000"/>
+            </a:schemeClr>
+          </a:lnRef>
+          <a:fillRef idx="1">
+            <a:schemeClr val="accent1"/>
+          </a:fillRef>
+          <a:effectRef idx="0">
+            <a:schemeClr val="accent1"/>
+          </a:effectRef>
+          <a:fontRef idx="minor">
+            <a:schemeClr val="lt1"/>
+          </a:fontRef>
+        </p:style>
+        <p:txBody>
+          <a:bodyPr rtlCol="0" anchor="ctr"/>
+          <a:lstStyle/>
+          <a:p>
+            <a:pPr algn="ctr"/>
+            <a:endParaRPr lang="en-US"/>
+          </a:p>
+        </p:txBody>
+      </p:sp>
+    </p:spTree>
+    <p:extLst>
+      <p:ext uri="{BB962C8B-B14F-4D97-AF65-F5344CB8AC3E}">
+        <p14:creationId xmlns:p14="http://schemas.microsoft.com/office/powerpoint/2010/main" val="681099586"/>
+      </p:ext>
+    </p:extLst>
+  </p:cSld>
+  <p:clrMapOvr>
+    <a:masterClrMapping/>
+  </p:clrMapOvr>
+</p:sld>
+</file>
+
+<file path=ppt/slides/slide12.xml><?xml version="1.0" encoding="utf-8"?>
+<p:sld xmlns:a="http://schemas.openxmlformats.org/drawingml/2006/main" xmlns:r="http://schemas.openxmlformats.org/officeDocument/2006/relationships" xmlns:p="http://schemas.openxmlformats.org/presentationml/2006/main">
+  <p:cSld>
+    <p:spTree>
+      <p:nvGrpSpPr>
+        <p:cNvPr id="1" name=""/>
+        <p:cNvGrpSpPr/>
+        <p:nvPr/>
+      </p:nvGrpSpPr>
+      <p:grpSpPr>
+        <a:xfrm>
+          <a:off x="0" y="0"/>
+          <a:ext cx="0" cy="0"/>
+          <a:chOff x="0" y="0"/>
+          <a:chExt cx="0" cy="0"/>
+        </a:xfrm>
+      </p:grpSpPr>
+      <p:sp>
+        <p:nvSpPr>
+          <p:cNvPr id="2" name="Triangle 1"/>
+          <p:cNvSpPr/>
+          <p:nvPr/>
+        </p:nvSpPr>
+        <p:spPr>
+          <a:xfrm>
+            <a:off x="5615539" y="2956560"/>
+            <a:ext cx="2761247" cy="1840831"/>
+          </a:xfrm>
+          <a:prstGeom prst="triangle">
+            <a:avLst/>
+          </a:prstGeom>
+          <a:solidFill>
+            <a:srgbClr val="C00000"/>
+          </a:solidFill>
+          <a:effectLst>
+            <a:reflection blurRad="177800" stA="45000" endPos="40000" dist="101600" dir="5400000" sy="-100000" algn="bl" rotWithShape="0"/>
+          </a:effectLst>
+        </p:spPr>
+        <p:style>
+          <a:lnRef idx="2">
+            <a:schemeClr val="accent1">
+              <a:shade val="50000"/>
+            </a:schemeClr>
+          </a:lnRef>
+          <a:fillRef idx="1">
+            <a:schemeClr val="accent1"/>
+          </a:fillRef>
+          <a:effectRef idx="0">
+            <a:schemeClr val="accent1"/>
+          </a:effectRef>
+          <a:fontRef idx="minor">
+            <a:schemeClr val="lt1"/>
+          </a:fontRef>
+        </p:style>
+        <p:txBody>
+          <a:bodyPr rtlCol="0" anchor="ctr"/>
+          <a:lstStyle/>
+          <a:p>
+            <a:pPr algn="ctr"/>
+            <a:endParaRPr lang="en-US"/>
+          </a:p>
+        </p:txBody>
+      </p:sp>
+      <p:sp>
+        <p:nvSpPr>
+          <p:cNvPr id="3" name="Triangle 2"/>
+          <p:cNvSpPr/>
+          <p:nvPr/>
+        </p:nvSpPr>
+        <p:spPr>
+          <a:xfrm rot="1711431">
+            <a:off x="8117306" y="932045"/>
+            <a:ext cx="3988469" cy="2658979"/>
+          </a:xfrm>
+          <a:prstGeom prst="triangle">
+            <a:avLst/>
+          </a:prstGeom>
+          <a:solidFill>
+            <a:schemeClr val="tx1"/>
+          </a:solidFill>
+          <a:ln>
+            <a:solidFill>
+              <a:schemeClr val="accent1">
+                <a:shade val="50000"/>
+              </a:schemeClr>
+            </a:solidFill>
+          </a:ln>
+        </p:spPr>
+        <p:style>
+          <a:lnRef idx="2">
+            <a:schemeClr val="accent1">
+              <a:shade val="50000"/>
+            </a:schemeClr>
+          </a:lnRef>
+          <a:fillRef idx="1">
+            <a:schemeClr val="accent1"/>
+          </a:fillRef>
+          <a:effectRef idx="0">
+            <a:schemeClr val="accent1"/>
+          </a:effectRef>
+          <a:fontRef idx="minor">
+            <a:schemeClr val="lt1"/>
+          </a:fontRef>
+        </p:style>
+        <p:txBody>
+          <a:bodyPr rtlCol="0" anchor="ctr"/>
+          <a:lstStyle/>
+          <a:p>
+            <a:pPr algn="ctr"/>
+            <a:endParaRPr lang="en-US"/>
+          </a:p>
+        </p:txBody>
+      </p:sp>
+      <p:sp>
+        <p:nvSpPr>
+          <p:cNvPr id="4" name="Triangle 3"/>
+          <p:cNvSpPr/>
+          <p:nvPr/>
+        </p:nvSpPr>
+        <p:spPr>
+          <a:xfrm rot="20221852">
+            <a:off x="281539" y="432735"/>
+            <a:ext cx="5486400" cy="3657600"/>
+          </a:xfrm>
+          <a:prstGeom prst="triangle">
+            <a:avLst/>
+          </a:prstGeom>
+          <a:gradFill>
+            <a:gsLst>
+              <a:gs pos="0">
+                <a:srgbClr val="FF8AD8"/>
+              </a:gs>
+              <a:gs pos="68000">
+                <a:schemeClr val="accent1">
+                  <a:lumMod val="35000"/>
+                  <a:lumOff val="65000"/>
+                </a:schemeClr>
+              </a:gs>
+              <a:gs pos="83000">
+                <a:schemeClr val="accent1">
+                  <a:lumMod val="45000"/>
+                  <a:lumOff val="55000"/>
+                </a:schemeClr>
+              </a:gs>
+              <a:gs pos="100000">
+                <a:schemeClr val="accent1">
+                  <a:lumMod val="30000"/>
+                  <a:lumOff val="70000"/>
+                </a:schemeClr>
+              </a:gs>
+            </a:gsLst>
+            <a:lin ang="5400000" scaled="1"/>
+          </a:gradFill>
+        </p:spPr>
+        <p:style>
+          <a:lnRef idx="2">
+            <a:schemeClr val="accent1">
+              <a:shade val="50000"/>
+            </a:schemeClr>
+          </a:lnRef>
+          <a:fillRef idx="1">
+            <a:schemeClr val="accent1"/>
+          </a:fillRef>
+          <a:effectRef idx="0">
+            <a:schemeClr val="accent1"/>
+          </a:effectRef>
+          <a:fontRef idx="minor">
+            <a:schemeClr val="lt1"/>
+          </a:fontRef>
+        </p:style>
+        <p:txBody>
+          <a:bodyPr rtlCol="0" anchor="ctr"/>
+          <a:lstStyle/>
+          <a:p>
+            <a:pPr algn="ctr"/>
+            <a:endParaRPr lang="en-US"/>
+          </a:p>
+        </p:txBody>
+      </p:sp>
+    </p:spTree>
+    <p:extLst>
+      <p:ext uri="{BB962C8B-B14F-4D97-AF65-F5344CB8AC3E}">
+        <p14:creationId xmlns:p14="http://schemas.microsoft.com/office/powerpoint/2010/main" val="1152903392"/>
+      </p:ext>
+    </p:extLst>
+  </p:cSld>
+  <p:clrMapOvr>
+    <a:masterClrMapping/>
+  </p:clrMapOvr>
+</p:sld>
+</file>
+
+<file path=ppt/slides/slide13.xml><?xml version="1.0" encoding="utf-8"?>
+<p:sld xmlns:a="http://schemas.openxmlformats.org/drawingml/2006/main" xmlns:r="http://schemas.openxmlformats.org/officeDocument/2006/relationships" xmlns:p="http://schemas.openxmlformats.org/presentationml/2006/main">
+  <p:cSld>
+    <p:spTree>
+      <p:nvGrpSpPr>
+        <p:cNvPr id="1" name=""/>
+        <p:cNvGrpSpPr/>
+        <p:nvPr/>
+      </p:nvGrpSpPr>
+      <p:grpSpPr>
+        <a:xfrm>
+          <a:off x="0" y="0"/>
+          <a:ext cx="0" cy="0"/>
+          <a:chOff x="0" y="0"/>
+          <a:chExt cx="0" cy="0"/>
+        </a:xfrm>
+      </p:grpSpPr>
+      <p:sp>
+        <p:nvSpPr>
+          <p:cNvPr id="2" name="Oval 1"/>
+          <p:cNvSpPr/>
+          <p:nvPr/>
+        </p:nvSpPr>
+        <p:spPr>
+          <a:xfrm>
+            <a:off x="686602" y="903171"/>
+            <a:ext cx="5486400" cy="2743200"/>
+          </a:xfrm>
+          <a:prstGeom prst="ellipse">
+            <a:avLst/>
+          </a:prstGeom>
+          <a:pattFill prst="plaid">
+            <a:fgClr>
+              <a:srgbClr val="FF2600"/>
+            </a:fgClr>
+            <a:bgClr>
+              <a:schemeClr val="bg1"/>
+            </a:bgClr>
+          </a:pattFill>
+          <a:ln w="63500">
+            <a:noFill/>
+          </a:ln>
+        </p:spPr>
+        <p:style>
+          <a:lnRef idx="2">
+            <a:schemeClr val="accent1">
+              <a:shade val="50000"/>
+            </a:schemeClr>
+          </a:lnRef>
+          <a:fillRef idx="1">
+            <a:schemeClr val="accent1"/>
+          </a:fillRef>
+          <a:effectRef idx="0">
+            <a:schemeClr val="accent1"/>
+          </a:effectRef>
+          <a:fontRef idx="minor">
+            <a:schemeClr val="lt1"/>
+          </a:fontRef>
+        </p:style>
+        <p:txBody>
+          <a:bodyPr rtlCol="0" anchor="ctr"/>
+          <a:lstStyle/>
+          <a:p>
+            <a:pPr algn="ctr"/>
+            <a:endParaRPr lang="en-US"/>
+          </a:p>
+        </p:txBody>
+      </p:sp>
+      <p:sp>
+        <p:nvSpPr>
+          <p:cNvPr id="3" name="Oval 2"/>
+          <p:cNvSpPr/>
+          <p:nvPr/>
+        </p:nvSpPr>
+        <p:spPr>
+          <a:xfrm rot="20948627">
+            <a:off x="6716026" y="4334575"/>
+            <a:ext cx="3769895" cy="1884948"/>
+          </a:xfrm>
+          <a:prstGeom prst="ellipse">
+            <a:avLst/>
+          </a:prstGeom>
+          <a:gradFill>
+            <a:gsLst>
+              <a:gs pos="0">
+                <a:srgbClr val="945200"/>
+              </a:gs>
+              <a:gs pos="46000">
+                <a:srgbClr val="929000"/>
+              </a:gs>
+              <a:gs pos="67000">
+                <a:srgbClr val="FF9300"/>
+              </a:gs>
+              <a:gs pos="100000">
+                <a:srgbClr val="FFFC00"/>
+              </a:gs>
+            </a:gsLst>
+            <a:lin ang="5400000" scaled="1"/>
+          </a:gradFill>
+          <a:ln>
+            <a:noFill/>
+          </a:ln>
+        </p:spPr>
+        <p:style>
+          <a:lnRef idx="2">
+            <a:schemeClr val="accent1">
+              <a:shade val="50000"/>
+            </a:schemeClr>
+          </a:lnRef>
+          <a:fillRef idx="1">
+            <a:schemeClr val="accent1"/>
+          </a:fillRef>
+          <a:effectRef idx="0">
+            <a:schemeClr val="accent1"/>
+          </a:effectRef>
+          <a:fontRef idx="minor">
+            <a:schemeClr val="lt1"/>
+          </a:fontRef>
+        </p:style>
+        <p:txBody>
+          <a:bodyPr rtlCol="0" anchor="ctr"/>
+          <a:lstStyle/>
+          <a:p>
+            <a:pPr algn="ctr"/>
+            <a:endParaRPr lang="en-US"/>
+          </a:p>
+        </p:txBody>
+      </p:sp>
+      <p:sp>
+        <p:nvSpPr>
+          <p:cNvPr id="4" name="Oval 3"/>
+          <p:cNvSpPr/>
+          <p:nvPr/>
+        </p:nvSpPr>
+        <p:spPr>
+          <a:xfrm rot="1702974">
+            <a:off x="6736882" y="1334703"/>
+            <a:ext cx="4636166" cy="2318083"/>
+          </a:xfrm>
+          <a:prstGeom prst="ellipse">
+            <a:avLst/>
+          </a:prstGeom>
+          <a:blipFill>
+            <a:blip r:embed="rId2"/>
+            <a:tile tx="0" ty="0" sx="100000" sy="100000" flip="none" algn="tl"/>
+          </a:blipFill>
+          <a:ln>
+            <a:noFill/>
+          </a:ln>
+        </p:spPr>
+        <p:style>
+          <a:lnRef idx="2">
+            <a:schemeClr val="accent1">
+              <a:shade val="50000"/>
+            </a:schemeClr>
+          </a:lnRef>
+          <a:fillRef idx="1">
+            <a:schemeClr val="accent1"/>
+          </a:fillRef>
+          <a:effectRef idx="0">
+            <a:schemeClr val="accent1"/>
+          </a:effectRef>
+          <a:fontRef idx="minor">
+            <a:schemeClr val="lt1"/>
+          </a:fontRef>
+        </p:style>
+        <p:txBody>
+          <a:bodyPr rtlCol="0" anchor="ctr"/>
+          <a:lstStyle/>
+          <a:p>
+            <a:pPr algn="ctr"/>
+            <a:endParaRPr lang="en-US"/>
+          </a:p>
+        </p:txBody>
+      </p:sp>
+    </p:spTree>
+    <p:extLst>
+      <p:ext uri="{BB962C8B-B14F-4D97-AF65-F5344CB8AC3E}">
+        <p14:creationId xmlns:p14="http://schemas.microsoft.com/office/powerpoint/2010/main" val="271514394"/>
+      </p:ext>
+    </p:extLst>
+  </p:cSld>
+  <p:clrMapOvr>
+    <a:masterClrMapping/>
+  </p:clrMapOvr>
+</p:sld>
+</file>
+
+<file path=ppt/slides/slide14.xml><?xml version="1.0" encoding="utf-8"?>
+<p:sld xmlns:a="http://schemas.openxmlformats.org/drawingml/2006/main" xmlns:r="http://schemas.openxmlformats.org/officeDocument/2006/relationships" xmlns:p="http://schemas.openxmlformats.org/presentationml/2006/main">
+  <p:cSld>
+    <p:spTree>
+      <p:nvGrpSpPr>
+        <p:cNvPr id="1" name=""/>
+        <p:cNvGrpSpPr/>
+        <p:nvPr/>
+      </p:nvGrpSpPr>
+      <p:grpSpPr>
+        <a:xfrm>
+          <a:off x="0" y="0"/>
+          <a:ext cx="0" cy="0"/>
+          <a:chOff x="0" y="0"/>
+          <a:chExt cx="0" cy="0"/>
+        </a:xfrm>
+      </p:grpSpPr>
+      <p:sp>
+        <p:nvSpPr>
+          <p:cNvPr id="2" name="Oval 1"/>
+          <p:cNvSpPr/>
+          <p:nvPr/>
+        </p:nvSpPr>
+        <p:spPr>
+          <a:xfrm>
+            <a:off x="3509212" y="774032"/>
+            <a:ext cx="5600699" cy="5600699"/>
+          </a:xfrm>
+          <a:prstGeom prst="ellipse">
+            <a:avLst/>
+          </a:prstGeom>
+          <a:solidFill>
+            <a:srgbClr val="0096FF"/>
+          </a:solidFill>
+          <a:ln w="63500">
+            <a:solidFill>
+              <a:srgbClr val="FF8AD8"/>
+            </a:solidFill>
+            <a:prstDash val="lgDash"/>
+          </a:ln>
+          <a:effectLst>
+            <a:outerShdw blurRad="812800" dist="50800" dir="5760000" sx="123000" sy="123000" algn="ctr" rotWithShape="0">
+              <a:srgbClr val="000000">
+                <a:alpha val="43137"/>
+              </a:srgbClr>
+            </a:outerShdw>
+          </a:effectLst>
+        </p:spPr>
+        <p:style>
+          <a:lnRef idx="2">
+            <a:schemeClr val="accent1">
+              <a:shade val="50000"/>
+            </a:schemeClr>
+          </a:lnRef>
+          <a:fillRef idx="1">
+            <a:schemeClr val="accent1"/>
+          </a:fillRef>
+          <a:effectRef idx="0">
+            <a:schemeClr val="accent1"/>
+          </a:effectRef>
+          <a:fontRef idx="minor">
+            <a:schemeClr val="lt1"/>
+          </a:fontRef>
+        </p:style>
+        <p:txBody>
+          <a:bodyPr rtlCol="0" anchor="ctr"/>
+          <a:lstStyle/>
+          <a:p>
+            <a:pPr algn="ctr"/>
+            <a:endParaRPr lang="en-US">
+              <a:solidFill>
+                <a:srgbClr val="FF8AD8"/>
+              </a:solidFill>
+            </a:endParaRPr>
+          </a:p>
+        </p:txBody>
+      </p:sp>
+      <p:sp>
+        <p:nvSpPr>
+          <p:cNvPr id="3" name="Oval 2"/>
+          <p:cNvSpPr/>
+          <p:nvPr/>
+        </p:nvSpPr>
+        <p:spPr>
+          <a:xfrm>
+            <a:off x="2106529" y="774032"/>
+            <a:ext cx="762002" cy="762002"/>
+          </a:xfrm>
+          <a:prstGeom prst="ellipse">
+            <a:avLst/>
+          </a:prstGeom>
+          <a:solidFill>
+            <a:schemeClr val="tx1"/>
+          </a:solidFill>
+          <a:ln w="63500">
+            <a:noFill/>
+            <a:prstDash val="sysDot"/>
+          </a:ln>
+          <a:effectLst>
+            <a:outerShdw blurRad="812800" dist="50800" dir="5760000" sx="123000" sy="123000" algn="ctr" rotWithShape="0">
+              <a:srgbClr val="000000">
+                <a:alpha val="43137"/>
+              </a:srgbClr>
+            </a:outerShdw>
+          </a:effectLst>
+        </p:spPr>
+        <p:style>
+          <a:lnRef idx="2">
+            <a:schemeClr val="accent1">
+              <a:shade val="50000"/>
+            </a:schemeClr>
+          </a:lnRef>
+          <a:fillRef idx="1">
+            <a:schemeClr val="accent1"/>
+          </a:fillRef>
+          <a:effectRef idx="0">
+            <a:schemeClr val="accent1"/>
+          </a:effectRef>
+          <a:fontRef idx="minor">
+            <a:schemeClr val="lt1"/>
+          </a:fontRef>
+        </p:style>
+        <p:txBody>
+          <a:bodyPr rtlCol="0" anchor="ctr"/>
+          <a:lstStyle/>
+          <a:p>
+            <a:pPr algn="ctr"/>
+            <a:endParaRPr lang="en-US"/>
+          </a:p>
+        </p:txBody>
+      </p:sp>
+      <p:sp>
+        <p:nvSpPr>
+          <p:cNvPr id="5" name="Oval 4"/>
+          <p:cNvSpPr/>
+          <p:nvPr/>
+        </p:nvSpPr>
+        <p:spPr>
+          <a:xfrm>
+            <a:off x="9986210" y="1319463"/>
+            <a:ext cx="1768643" cy="1768643"/>
+          </a:xfrm>
+          <a:prstGeom prst="ellipse">
+            <a:avLst/>
+          </a:prstGeom>
+          <a:solidFill>
+            <a:srgbClr val="FF9300"/>
+          </a:solidFill>
+          <a:ln w="63500">
+            <a:solidFill>
+              <a:srgbClr val="0432FF"/>
+            </a:solidFill>
+          </a:ln>
+          <a:effectLst>
+            <a:outerShdw blurRad="812800" dist="50800" dir="5760000" sx="123000" sy="123000" algn="ctr" rotWithShape="0">
+              <a:srgbClr val="000000">
+                <a:alpha val="43137"/>
+              </a:srgbClr>
+            </a:outerShdw>
+          </a:effectLst>
+        </p:spPr>
+        <p:style>
+          <a:lnRef idx="2">
+            <a:schemeClr val="accent1">
+              <a:shade val="50000"/>
+            </a:schemeClr>
+          </a:lnRef>
+          <a:fillRef idx="1">
+            <a:schemeClr val="accent1"/>
+          </a:fillRef>
+          <a:effectRef idx="0">
+            <a:schemeClr val="accent1"/>
+          </a:effectRef>
+          <a:fontRef idx="minor">
+            <a:schemeClr val="lt1"/>
+          </a:fontRef>
+        </p:style>
+        <p:txBody>
+          <a:bodyPr rtlCol="0" anchor="ctr"/>
+          <a:lstStyle/>
+          <a:p>
+            <a:pPr algn="ctr"/>
+            <a:endParaRPr lang="en-US"/>
+          </a:p>
+        </p:txBody>
+      </p:sp>
+    </p:spTree>
+    <p:extLst>
+      <p:ext uri="{BB962C8B-B14F-4D97-AF65-F5344CB8AC3E}">
+        <p14:creationId xmlns:p14="http://schemas.microsoft.com/office/powerpoint/2010/main" val="102362463"/>
+      </p:ext>
+    </p:extLst>
+  </p:cSld>
+  <p:clrMapOvr>
+    <a:masterClrMapping/>
+  </p:clrMapOvr>
+</p:sld>
+</file>
+
+<file path=ppt/slides/slide15.xml><?xml version="1.0" encoding="utf-8"?>
+<p:sld xmlns:a="http://schemas.openxmlformats.org/drawingml/2006/main" xmlns:r="http://schemas.openxmlformats.org/officeDocument/2006/relationships" xmlns:p="http://schemas.openxmlformats.org/presentationml/2006/main">
+  <p:cSld>
+    <p:spTree>
+      <p:nvGrpSpPr>
+        <p:cNvPr id="1" name=""/>
+        <p:cNvGrpSpPr/>
+        <p:nvPr/>
+      </p:nvGrpSpPr>
+      <p:grpSpPr>
+        <a:xfrm>
+          <a:off x="0" y="0"/>
+          <a:ext cx="0" cy="0"/>
+          <a:chOff x="0" y="0"/>
+          <a:chExt cx="0" cy="0"/>
+        </a:xfrm>
+      </p:grpSpPr>
+      <p:sp>
+        <p:nvSpPr>
+          <p:cNvPr id="3" name="Diamond 2"/>
+          <p:cNvSpPr/>
+          <p:nvPr/>
+        </p:nvSpPr>
+        <p:spPr>
+          <a:xfrm>
+            <a:off x="6505074" y="168442"/>
+            <a:ext cx="5486400" cy="2743200"/>
+          </a:xfrm>
+          <a:prstGeom prst="diamond">
+            <a:avLst/>
+          </a:prstGeom>
+          <a:pattFill prst="dashDnDiag">
+            <a:fgClr>
+              <a:srgbClr val="FF2600"/>
+            </a:fgClr>
+            <a:bgClr>
+              <a:srgbClr val="000000"/>
+            </a:bgClr>
+          </a:pattFill>
+        </p:spPr>
+        <p:style>
+          <a:lnRef idx="2">
+            <a:schemeClr val="accent1">
+              <a:shade val="50000"/>
+            </a:schemeClr>
+          </a:lnRef>
+          <a:fillRef idx="1">
+            <a:schemeClr val="accent1"/>
+          </a:fillRef>
+          <a:effectRef idx="0">
+            <a:schemeClr val="accent1"/>
+          </a:effectRef>
+          <a:fontRef idx="minor">
+            <a:schemeClr val="lt1"/>
+          </a:fontRef>
+        </p:style>
+        <p:txBody>
+          <a:bodyPr rtlCol="0" anchor="ctr"/>
+          <a:lstStyle/>
+          <a:p>
+            <a:pPr algn="ctr"/>
+            <a:endParaRPr lang="en-US"/>
+          </a:p>
+        </p:txBody>
+      </p:sp>
+      <p:sp>
+        <p:nvSpPr>
+          <p:cNvPr id="4" name="Diamond 3"/>
+          <p:cNvSpPr/>
+          <p:nvPr/>
+        </p:nvSpPr>
+        <p:spPr>
+          <a:xfrm>
+            <a:off x="3499185" y="3562952"/>
+            <a:ext cx="5486400" cy="2743200"/>
+          </a:xfrm>
+          <a:prstGeom prst="diamond">
+            <a:avLst/>
+          </a:prstGeom>
+          <a:pattFill prst="dkVert">
+            <a:fgClr>
+              <a:srgbClr val="9437FF"/>
+            </a:fgClr>
+            <a:bgClr>
+              <a:schemeClr val="bg1"/>
+            </a:bgClr>
+          </a:pattFill>
+        </p:spPr>
+        <p:style>
+          <a:lnRef idx="2">
+            <a:schemeClr val="accent1">
+              <a:shade val="50000"/>
+            </a:schemeClr>
+          </a:lnRef>
+          <a:fillRef idx="1">
+            <a:schemeClr val="accent1"/>
+          </a:fillRef>
+          <a:effectRef idx="0">
+            <a:schemeClr val="accent1"/>
+          </a:effectRef>
+          <a:fontRef idx="minor">
+            <a:schemeClr val="lt1"/>
+          </a:fontRef>
+        </p:style>
+        <p:txBody>
+          <a:bodyPr rtlCol="0" anchor="ctr"/>
+          <a:lstStyle/>
+          <a:p>
+            <a:pPr algn="ctr"/>
+            <a:endParaRPr lang="en-US"/>
+          </a:p>
+        </p:txBody>
+      </p:sp>
+      <p:sp>
+        <p:nvSpPr>
+          <p:cNvPr id="5" name="Diamond 4"/>
+          <p:cNvSpPr/>
+          <p:nvPr/>
+        </p:nvSpPr>
+        <p:spPr>
+          <a:xfrm>
+            <a:off x="493295" y="1066800"/>
+            <a:ext cx="5486400" cy="2743200"/>
+          </a:xfrm>
+          <a:prstGeom prst="diamond">
+            <a:avLst/>
+          </a:prstGeom>
+          <a:pattFill prst="lgGrid">
+            <a:fgClr>
+              <a:srgbClr val="008F00"/>
+            </a:fgClr>
+            <a:bgClr>
+              <a:schemeClr val="bg1"/>
+            </a:bgClr>
+          </a:pattFill>
+          <a:ln>
+            <a:noFill/>
+          </a:ln>
+        </p:spPr>
+        <p:style>
+          <a:lnRef idx="2">
+            <a:schemeClr val="accent1">
+              <a:shade val="50000"/>
+            </a:schemeClr>
+          </a:lnRef>
+          <a:fillRef idx="1">
+            <a:schemeClr val="accent1"/>
+          </a:fillRef>
+          <a:effectRef idx="0">
+            <a:schemeClr val="accent1"/>
+          </a:effectRef>
+          <a:fontRef idx="minor">
+            <a:schemeClr val="lt1"/>
+          </a:fontRef>
+        </p:style>
+        <p:txBody>
+          <a:bodyPr rtlCol="0" anchor="ctr"/>
+          <a:lstStyle/>
+          <a:p>
+            <a:pPr algn="ctr"/>
+            <a:endParaRPr lang="en-US"/>
+          </a:p>
+        </p:txBody>
+      </p:sp>
+    </p:spTree>
+    <p:extLst>
+      <p:ext uri="{BB962C8B-B14F-4D97-AF65-F5344CB8AC3E}">
+        <p14:creationId xmlns:p14="http://schemas.microsoft.com/office/powerpoint/2010/main" val="2087153730"/>
+      </p:ext>
+    </p:extLst>
+  </p:cSld>
+  <p:clrMapOvr>
+    <a:masterClrMapping/>
+  </p:clrMapOvr>
+</p:sld>
+</file>
+
+<file path=ppt/slides/slide16.xml><?xml version="1.0" encoding="utf-8"?>
+<p:sld xmlns:a="http://schemas.openxmlformats.org/drawingml/2006/main" xmlns:r="http://schemas.openxmlformats.org/officeDocument/2006/relationships" xmlns:p="http://schemas.openxmlformats.org/presentationml/2006/main">
+  <p:cSld>
+    <p:spTree>
+      <p:nvGrpSpPr>
+        <p:cNvPr id="1" name=""/>
+        <p:cNvGrpSpPr/>
+        <p:nvPr/>
+      </p:nvGrpSpPr>
+      <p:grpSpPr>
+        <a:xfrm>
+          <a:off x="0" y="0"/>
+          <a:ext cx="0" cy="0"/>
+          <a:chOff x="0" y="0"/>
+          <a:chExt cx="0" cy="0"/>
+        </a:xfrm>
+      </p:grpSpPr>
+      <p:sp>
+        <p:nvSpPr>
+          <p:cNvPr id="2" name="Heart 1"/>
+          <p:cNvSpPr/>
+          <p:nvPr/>
+        </p:nvSpPr>
+        <p:spPr>
+          <a:xfrm>
+            <a:off x="3352800" y="1371600"/>
+            <a:ext cx="5486400" cy="4114800"/>
+          </a:xfrm>
+          <a:prstGeom prst="heart">
+            <a:avLst/>
+          </a:prstGeom>
+          <a:pattFill prst="pct90">
+            <a:fgClr>
+              <a:srgbClr val="FF2600"/>
+            </a:fgClr>
+            <a:bgClr>
+              <a:schemeClr val="bg1"/>
+            </a:bgClr>
+          </a:pattFill>
+          <a:ln>
+            <a:noFill/>
+          </a:ln>
+          <a:effectLst>
+            <a:outerShdw blurRad="1270000" sx="136000" sy="136000" algn="ctr" rotWithShape="0">
+              <a:srgbClr val="000000">
+                <a:alpha val="43137"/>
+              </a:srgbClr>
+            </a:outerShdw>
+          </a:effectLst>
+        </p:spPr>
+        <p:style>
+          <a:lnRef idx="2">
+            <a:schemeClr val="accent1">
+              <a:shade val="50000"/>
+            </a:schemeClr>
+          </a:lnRef>
+          <a:fillRef idx="1">
+            <a:schemeClr val="accent1"/>
+          </a:fillRef>
+          <a:effectRef idx="0">
+            <a:schemeClr val="accent1"/>
+          </a:effectRef>
+          <a:fontRef idx="minor">
+            <a:schemeClr val="lt1"/>
+          </a:fontRef>
+        </p:style>
+        <p:txBody>
+          <a:bodyPr rtlCol="0" anchor="ctr"/>
+          <a:lstStyle/>
+          <a:p>
+            <a:pPr algn="ctr"/>
+            <a:endParaRPr lang="en-US"/>
+          </a:p>
+        </p:txBody>
+      </p:sp>
+      <p:sp>
+        <p:nvSpPr>
+          <p:cNvPr id="3" name="Heart 2"/>
+          <p:cNvSpPr/>
+          <p:nvPr/>
+        </p:nvSpPr>
+        <p:spPr>
+          <a:xfrm>
+            <a:off x="9318591" y="4008120"/>
+            <a:ext cx="2561389" cy="1921042"/>
+          </a:xfrm>
+          <a:prstGeom prst="heart">
+            <a:avLst/>
+          </a:prstGeom>
+          <a:gradFill flip="none" rotWithShape="1">
+            <a:gsLst>
+              <a:gs pos="20000">
+                <a:srgbClr val="FFFFFF"/>
+              </a:gs>
+              <a:gs pos="40000">
+                <a:schemeClr val="accent1">
+                  <a:lumMod val="45000"/>
+                  <a:lumOff val="55000"/>
+                </a:schemeClr>
+              </a:gs>
+              <a:gs pos="72000">
+                <a:srgbClr val="FF2600"/>
+              </a:gs>
+              <a:gs pos="100000">
+                <a:srgbClr val="FF2600"/>
+              </a:gs>
+            </a:gsLst>
+            <a:path path="shape">
+              <a:fillToRect l="50000" t="50000" r="50000" b="50000"/>
+            </a:path>
+            <a:tileRect/>
+          </a:gradFill>
+          <a:ln w="50800"/>
+        </p:spPr>
+        <p:style>
+          <a:lnRef idx="2">
+            <a:schemeClr val="accent1">
+              <a:shade val="50000"/>
+            </a:schemeClr>
+          </a:lnRef>
+          <a:fillRef idx="1">
+            <a:schemeClr val="accent1"/>
+          </a:fillRef>
+          <a:effectRef idx="0">
+            <a:schemeClr val="accent1"/>
+          </a:effectRef>
+          <a:fontRef idx="minor">
+            <a:schemeClr val="lt1"/>
+          </a:fontRef>
+        </p:style>
+        <p:txBody>
+          <a:bodyPr rtlCol="0" anchor="ctr"/>
+          <a:lstStyle/>
+          <a:p>
+            <a:pPr algn="ctr"/>
+            <a:endParaRPr lang="en-US"/>
+          </a:p>
+        </p:txBody>
+      </p:sp>
+      <p:sp>
+        <p:nvSpPr>
+          <p:cNvPr id="4" name="Heart 3"/>
+          <p:cNvSpPr/>
+          <p:nvPr/>
+        </p:nvSpPr>
+        <p:spPr>
+          <a:xfrm rot="2057277">
+            <a:off x="710666" y="1009850"/>
+            <a:ext cx="1751263" cy="1313447"/>
+          </a:xfrm>
+          <a:prstGeom prst="heart">
+            <a:avLst/>
+          </a:prstGeom>
+          <a:solidFill>
+            <a:srgbClr val="0432FF"/>
+          </a:solidFill>
+          <a:ln w="63500">
+            <a:solidFill>
+              <a:srgbClr val="FF2600"/>
+            </a:solidFill>
+          </a:ln>
+        </p:spPr>
+        <p:style>
+          <a:lnRef idx="2">
+            <a:schemeClr val="accent1">
+              <a:shade val="50000"/>
+            </a:schemeClr>
+          </a:lnRef>
+          <a:fillRef idx="1">
+            <a:schemeClr val="accent1"/>
+          </a:fillRef>
+          <a:effectRef idx="0">
+            <a:schemeClr val="accent1"/>
+          </a:effectRef>
+          <a:fontRef idx="minor">
+            <a:schemeClr val="lt1"/>
+          </a:fontRef>
+        </p:style>
+        <p:txBody>
+          <a:bodyPr rtlCol="0" anchor="ctr"/>
+          <a:lstStyle/>
+          <a:p>
+            <a:pPr algn="ctr"/>
+            <a:endParaRPr lang="en-US">
+              <a:ln w="0"/>
+              <a:solidFill>
+                <a:schemeClr val="accent1"/>
+              </a:solidFill>
+              <a:effectLst>
+                <a:outerShdw blurRad="38100" dist="25400" dir="5400000" algn="ctr" rotWithShape="0">
+                  <a:srgbClr val="6E747A">
+                    <a:alpha val="43000"/>
+                  </a:srgbClr>
+                </a:outerShdw>
+              </a:effectLst>
+            </a:endParaRPr>
+          </a:p>
+        </p:txBody>
+      </p:sp>
+    </p:spTree>
+    <p:extLst>
+      <p:ext uri="{BB962C8B-B14F-4D97-AF65-F5344CB8AC3E}">
+        <p14:creationId xmlns:p14="http://schemas.microsoft.com/office/powerpoint/2010/main" val="1794850012"/>
+      </p:ext>
+    </p:extLst>
+  </p:cSld>
+  <p:clrMapOvr>
+    <a:masterClrMapping/>
+  </p:clrMapOvr>
+</p:sld>
+</file>
+
+<file path=ppt/slides/slide17.xml><?xml version="1.0" encoding="utf-8"?>
+<p:sld xmlns:a="http://schemas.openxmlformats.org/drawingml/2006/main" xmlns:r="http://schemas.openxmlformats.org/officeDocument/2006/relationships" xmlns:p="http://schemas.openxmlformats.org/presentationml/2006/main">
+  <p:cSld>
+    <p:spTree>
+      <p:nvGrpSpPr>
+        <p:cNvPr id="1" name=""/>
+        <p:cNvGrpSpPr/>
+        <p:nvPr/>
+      </p:nvGrpSpPr>
+      <p:grpSpPr>
+        <a:xfrm>
+          <a:off x="0" y="0"/>
+          <a:ext cx="0" cy="0"/>
+          <a:chOff x="0" y="0"/>
+          <a:chExt cx="0" cy="0"/>
+        </a:xfrm>
+      </p:grpSpPr>
+      <p:sp>
+        <p:nvSpPr>
+          <p:cNvPr id="3" name="Octagon 2"/>
+          <p:cNvSpPr/>
+          <p:nvPr/>
+        </p:nvSpPr>
+        <p:spPr>
+          <a:xfrm>
+            <a:off x="3352800" y="685800"/>
+            <a:ext cx="5486400" cy="5486400"/>
+          </a:xfrm>
+          <a:prstGeom prst="octagon">
+            <a:avLst/>
+          </a:prstGeom>
+          <a:solidFill>
+            <a:srgbClr val="000000"/>
+          </a:solidFill>
+          <a:ln>
+            <a:noFill/>
+          </a:ln>
+          <a:effectLst>
+            <a:outerShdw blurRad="609600" dist="50800" dir="5400000" sx="163000" sy="163000" algn="ctr" rotWithShape="0">
+              <a:srgbClr val="000000">
+                <a:alpha val="43137"/>
+              </a:srgbClr>
+            </a:outerShdw>
+          </a:effectLst>
+        </p:spPr>
+        <p:style>
+          <a:lnRef idx="2">
+            <a:schemeClr val="accent1">
+              <a:shade val="50000"/>
+            </a:schemeClr>
+          </a:lnRef>
+          <a:fillRef idx="1">
+            <a:schemeClr val="accent1"/>
+          </a:fillRef>
+          <a:effectRef idx="0">
+            <a:schemeClr val="accent1"/>
+          </a:effectRef>
+          <a:fontRef idx="minor">
+            <a:schemeClr val="lt1"/>
+          </a:fontRef>
+        </p:style>
+        <p:txBody>
+          <a:bodyPr rtlCol="0" anchor="ctr"/>
+          <a:lstStyle/>
+          <a:p>
+            <a:pPr algn="ctr"/>
+            <a:endParaRPr lang="en-US"/>
+          </a:p>
+        </p:txBody>
+      </p:sp>
+      <p:sp>
+        <p:nvSpPr>
+          <p:cNvPr id="2" name="Octagon 1"/>
+          <p:cNvSpPr/>
+          <p:nvPr/>
+        </p:nvSpPr>
+        <p:spPr>
+          <a:xfrm>
+            <a:off x="4387516" y="1720516"/>
+            <a:ext cx="3416969" cy="3416969"/>
+          </a:xfrm>
+          <a:prstGeom prst="octagon">
+            <a:avLst/>
+          </a:prstGeom>
+          <a:solidFill>
+            <a:schemeClr val="bg1"/>
+          </a:solidFill>
+          <a:ln w="76200">
+            <a:noFill/>
+          </a:ln>
+          <a:effectLst>
+            <a:outerShdw blurRad="50800" dist="50800" dir="5400000" sx="1000" sy="1000" algn="ctr" rotWithShape="0">
+              <a:srgbClr val="000000">
+                <a:alpha val="43137"/>
+              </a:srgbClr>
+            </a:outerShdw>
+          </a:effectLst>
+        </p:spPr>
+        <p:style>
+          <a:lnRef idx="2">
+            <a:schemeClr val="accent1">
+              <a:shade val="50000"/>
+            </a:schemeClr>
+          </a:lnRef>
+          <a:fillRef idx="1">
+            <a:schemeClr val="accent1"/>
+          </a:fillRef>
+          <a:effectRef idx="0">
+            <a:schemeClr val="accent1"/>
+          </a:effectRef>
+          <a:fontRef idx="minor">
+            <a:schemeClr val="lt1"/>
+          </a:fontRef>
+        </p:style>
+        <p:txBody>
+          <a:bodyPr rtlCol="0" anchor="ctr"/>
+          <a:lstStyle/>
+          <a:p>
+            <a:pPr algn="ctr"/>
+            <a:endParaRPr lang="en-US"/>
+          </a:p>
+        </p:txBody>
+      </p:sp>
+      <p:sp>
+        <p:nvSpPr>
+          <p:cNvPr id="4" name="Octagon 3"/>
+          <p:cNvSpPr/>
+          <p:nvPr/>
+        </p:nvSpPr>
+        <p:spPr>
+          <a:xfrm>
+            <a:off x="5127458" y="2460458"/>
+            <a:ext cx="1937084" cy="1937084"/>
+          </a:xfrm>
+          <a:prstGeom prst="octagon">
+            <a:avLst/>
+          </a:prstGeom>
+          <a:solidFill>
+            <a:srgbClr val="FF2600"/>
+          </a:solidFill>
+        </p:spPr>
+        <p:style>
+          <a:lnRef idx="2">
+            <a:schemeClr val="accent1">
+              <a:shade val="50000"/>
+            </a:schemeClr>
+          </a:lnRef>
+          <a:fillRef idx="1">
+            <a:schemeClr val="accent1"/>
+          </a:fillRef>
+          <a:effectRef idx="0">
+            <a:schemeClr val="accent1"/>
+          </a:effectRef>
+          <a:fontRef idx="minor">
+            <a:schemeClr val="lt1"/>
+          </a:fontRef>
+        </p:style>
+        <p:txBody>
+          <a:bodyPr rtlCol="0" anchor="ctr"/>
+          <a:lstStyle/>
+          <a:p>
+            <a:pPr algn="ctr"/>
+            <a:endParaRPr lang="en-US"/>
+          </a:p>
+        </p:txBody>
+      </p:sp>
+    </p:spTree>
+    <p:extLst>
+      <p:ext uri="{BB962C8B-B14F-4D97-AF65-F5344CB8AC3E}">
+        <p14:creationId xmlns:p14="http://schemas.microsoft.com/office/powerpoint/2010/main" val="341362275"/>
+      </p:ext>
+    </p:extLst>
+  </p:cSld>
+  <p:clrMapOvr>
+    <a:masterClrMapping/>
+  </p:clrMapOvr>
+</p:sld>
+</file>
+
+<file path=ppt/slides/slide18.xml><?xml version="1.0" encoding="utf-8"?>
+<p:sld xmlns:a="http://schemas.openxmlformats.org/drawingml/2006/main" xmlns:r="http://schemas.openxmlformats.org/officeDocument/2006/relationships" xmlns:p="http://schemas.openxmlformats.org/presentationml/2006/main">
+  <p:cSld>
+    <p:spTree>
+      <p:nvGrpSpPr>
+        <p:cNvPr id="1" name=""/>
+        <p:cNvGrpSpPr/>
+        <p:nvPr/>
+      </p:nvGrpSpPr>
+      <p:grpSpPr>
+        <a:xfrm>
+          <a:off x="0" y="0"/>
+          <a:ext cx="0" cy="0"/>
+          <a:chOff x="0" y="0"/>
+          <a:chExt cx="0" cy="0"/>
+        </a:xfrm>
+      </p:grpSpPr>
+      <p:sp>
+        <p:nvSpPr>
+          <p:cNvPr id="2" name="5-Point Star 1"/>
+          <p:cNvSpPr/>
+          <p:nvPr/>
+        </p:nvSpPr>
+        <p:spPr>
+          <a:xfrm>
+            <a:off x="632058" y="0"/>
+            <a:ext cx="5616341" cy="5616341"/>
+          </a:xfrm>
+          <a:prstGeom prst="star5">
+            <a:avLst/>
+          </a:prstGeom>
+          <a:ln w="76200">
+            <a:noFill/>
+            <a:prstDash val="lgDashDot"/>
+          </a:ln>
+          <a:effectLst>
+            <a:outerShdw blurRad="50800" dist="1054100" dir="5400000" sx="1000" sy="1000" algn="ctr" rotWithShape="0">
+              <a:srgbClr val="000000">
+                <a:alpha val="43137"/>
+              </a:srgbClr>
+            </a:outerShdw>
+            <a:softEdge rad="139700"/>
+          </a:effectLst>
+        </p:spPr>
+        <p:style>
+          <a:lnRef idx="2">
+            <a:schemeClr val="accent1">
+              <a:shade val="50000"/>
+            </a:schemeClr>
+          </a:lnRef>
+          <a:fillRef idx="1">
+            <a:schemeClr val="accent1"/>
+          </a:fillRef>
+          <a:effectRef idx="0">
+            <a:schemeClr val="accent1"/>
+          </a:effectRef>
+          <a:fontRef idx="minor">
+            <a:schemeClr val="lt1"/>
+          </a:fontRef>
+        </p:style>
+        <p:txBody>
+          <a:bodyPr rtlCol="0" anchor="ctr"/>
+          <a:lstStyle/>
+          <a:p>
+            <a:pPr algn="ctr"/>
+            <a:endParaRPr lang="en-US"/>
+          </a:p>
+        </p:txBody>
+      </p:sp>
+      <p:sp>
+        <p:nvSpPr>
+          <p:cNvPr id="3" name="5-Point Star 2"/>
+          <p:cNvSpPr/>
+          <p:nvPr/>
+        </p:nvSpPr>
+        <p:spPr>
+          <a:xfrm>
+            <a:off x="8769417" y="1594986"/>
+            <a:ext cx="2438401" cy="2438401"/>
+          </a:xfrm>
+          <a:prstGeom prst="star5">
+            <a:avLst/>
+          </a:prstGeom>
+          <a:solidFill>
+            <a:schemeClr val="bg1"/>
+          </a:solidFill>
+          <a:ln w="76200">
+            <a:solidFill>
+              <a:srgbClr val="000000"/>
+            </a:solidFill>
+            <a:prstDash val="sysDash"/>
+          </a:ln>
+        </p:spPr>
+        <p:style>
+          <a:lnRef idx="2">
+            <a:schemeClr val="accent1">
+              <a:shade val="50000"/>
+            </a:schemeClr>
+          </a:lnRef>
+          <a:fillRef idx="1">
+            <a:schemeClr val="accent1"/>
+          </a:fillRef>
+          <a:effectRef idx="0">
+            <a:schemeClr val="accent1"/>
+          </a:effectRef>
+          <a:fontRef idx="minor">
+            <a:schemeClr val="lt1"/>
+          </a:fontRef>
+        </p:style>
+        <p:txBody>
+          <a:bodyPr rtlCol="0" anchor="ctr"/>
+          <a:lstStyle/>
+          <a:p>
+            <a:pPr algn="ctr"/>
+            <a:endParaRPr lang="en-US"/>
+          </a:p>
+        </p:txBody>
+      </p:sp>
+      <p:sp>
+        <p:nvSpPr>
+          <p:cNvPr id="4" name="5-Point Star 3"/>
+          <p:cNvSpPr/>
+          <p:nvPr/>
+        </p:nvSpPr>
+        <p:spPr>
+          <a:xfrm>
+            <a:off x="2227044" y="1594986"/>
+            <a:ext cx="2426369" cy="2426369"/>
+          </a:xfrm>
+          <a:prstGeom prst="star5">
+            <a:avLst/>
+          </a:prstGeom>
+          <a:solidFill>
+            <a:srgbClr val="FF2600"/>
+          </a:solidFill>
+        </p:spPr>
+        <p:style>
+          <a:lnRef idx="2">
+            <a:schemeClr val="accent1">
+              <a:shade val="50000"/>
+            </a:schemeClr>
+          </a:lnRef>
+          <a:fillRef idx="1">
+            <a:schemeClr val="accent1"/>
+          </a:fillRef>
+          <a:effectRef idx="0">
+            <a:schemeClr val="accent1"/>
+          </a:effectRef>
+          <a:fontRef idx="minor">
+            <a:schemeClr val="lt1"/>
+          </a:fontRef>
+        </p:style>
+        <p:txBody>
+          <a:bodyPr rtlCol="0" anchor="ctr"/>
+          <a:lstStyle/>
+          <a:p>
+            <a:pPr algn="ctr"/>
+            <a:endParaRPr lang="en-US"/>
+          </a:p>
+        </p:txBody>
+      </p:sp>
+    </p:spTree>
+    <p:extLst>
+      <p:ext uri="{BB962C8B-B14F-4D97-AF65-F5344CB8AC3E}">
+        <p14:creationId xmlns:p14="http://schemas.microsoft.com/office/powerpoint/2010/main" val="1346934788"/>
+      </p:ext>
+    </p:extLst>
+  </p:cSld>
+  <p:clrMapOvr>
+    <a:masterClrMapping/>
+  </p:clrMapOvr>
+</p:sld>
+</file>
+
 <file path=ppt/slides/slide2.xml><?xml version="1.0" encoding="utf-8"?>
 <p:sld xmlns:a="http://schemas.openxmlformats.org/drawingml/2006/main" xmlns:r="http://schemas.openxmlformats.org/officeDocument/2006/relationships" xmlns:p="http://schemas.openxmlformats.org/presentationml/2006/main">
   <p:cSld>
@@ -3872,4 +5972,265 @@
     </a:ext>
   </a:extLst>
 </a:theme>
+</file>
+
+<file path=ppt/theme/theme2.xml><?xml version="1.0" encoding="utf-8"?>
+<a:theme xmlns:a="http://schemas.openxmlformats.org/drawingml/2006/main" name="Office Theme">
+  <a:themeElements>
+    <a:clrScheme name="Office">
+      <a:dk1>
+        <a:sysClr val="windowText" lastClr="000000"/>
+      </a:dk1>
+      <a:lt1>
+        <a:sysClr val="window" lastClr="FFFFFF"/>
+      </a:lt1>
+      <a:dk2>
+        <a:srgbClr val="44546A"/>
+      </a:dk2>
+      <a:lt2>
+        <a:srgbClr val="E7E6E6"/>
+      </a:lt2>
+      <a:accent1>
+        <a:srgbClr val="4472C4"/>
+      </a:accent1>
+      <a:accent2>
+        <a:srgbClr val="ED7D31"/>
+      </a:accent2>
+      <a:accent3>
+        <a:srgbClr val="A5A5A5"/>
+      </a:accent3>
+      <a:accent4>
+        <a:srgbClr val="FFC000"/>
+      </a:accent4>
+      <a:accent5>
+        <a:srgbClr val="5B9BD5"/>
+      </a:accent5>
+      <a:accent6>
+        <a:srgbClr val="70AD47"/>
+      </a:accent6>
+      <a:hlink>
+        <a:srgbClr val="0563C1"/>
+      </a:hlink>
+      <a:folHlink>
+        <a:srgbClr val="954F72"/>
+      </a:folHlink>
+    </a:clrScheme>
+    <a:fontScheme name="Office">
+      <a:majorFont>
+        <a:latin typeface="Calibri Light" panose="020F0302020204030204"/>
+        <a:ea typeface=""/>
+        <a:cs typeface=""/>
+        <a:font script="Jpan" typeface="Yu Gothic Light"/>
+        <a:font script="Hang" typeface="맑은 고딕"/>
+        <a:font script="Hans" typeface="DengXian Light"/>
+        <a:font script="Hant" typeface="新細明體"/>
+        <a:font script="Arab" typeface="Times New Roman"/>
+        <a:font script="Hebr" typeface="Times New Roman"/>
+        <a:font script="Thai" typeface="Angsana New"/>
+        <a:font script="Ethi" typeface="Nyala"/>
+        <a:font script="Beng" typeface="Vrinda"/>
+        <a:font script="Gujr" typeface="Shruti"/>
+        <a:font script="Khmr" typeface="MoolBoran"/>
+        <a:font script="Knda" typeface="Tunga"/>
+        <a:font script="Guru" typeface="Raavi"/>
+        <a:font script="Cans" typeface="Euphemia"/>
+        <a:font script="Cher" typeface="Plantagenet Cherokee"/>
+        <a:font script="Yiii" typeface="Microsoft Yi Baiti"/>
+        <a:font script="Tibt" typeface="Microsoft Himalaya"/>
+        <a:font script="Thaa" typeface="MV Boli"/>
+        <a:font script="Deva" typeface="Mangal"/>
+        <a:font script="Telu" typeface="Gautami"/>
+        <a:font script="Taml" typeface="Latha"/>
+        <a:font script="Syrc" typeface="Estrangelo Edessa"/>
+        <a:font script="Orya" typeface="Kalinga"/>
+        <a:font script="Mlym" typeface="Kartika"/>
+        <a:font script="Laoo" typeface="DokChampa"/>
+        <a:font script="Sinh" typeface="Iskoola Pota"/>
+        <a:font script="Mong" typeface="Mongolian Baiti"/>
+        <a:font script="Viet" typeface="Times New Roman"/>
+        <a:font script="Uigh" typeface="Microsoft Uighur"/>
+        <a:font script="Geor" typeface="Sylfaen"/>
+      </a:majorFont>
+      <a:minorFont>
+        <a:latin typeface="Calibri" panose="020F0502020204030204"/>
+        <a:ea typeface=""/>
+        <a:cs typeface=""/>
+        <a:font script="Jpan" typeface="Yu Gothic"/>
+        <a:font script="Hang" typeface="맑은 고딕"/>
+        <a:font script="Hans" typeface="DengXian"/>
+        <a:font script="Hant" typeface="新細明體"/>
+        <a:font script="Arab" typeface="Arial"/>
+        <a:font script="Hebr" typeface="Arial"/>
+        <a:font script="Thai" typeface="Cordia New"/>
+        <a:font script="Ethi" typeface="Nyala"/>
+        <a:font script="Beng" typeface="Vrinda"/>
+        <a:font script="Gujr" typeface="Shruti"/>
+        <a:font script="Khmr" typeface="DaunPenh"/>
+        <a:font script="Knda" typeface="Tunga"/>
+        <a:font script="Guru" typeface="Raavi"/>
+        <a:font script="Cans" typeface="Euphemia"/>
+        <a:font script="Cher" typeface="Plantagenet Cherokee"/>
+        <a:font script="Yiii" typeface="Microsoft Yi Baiti"/>
+        <a:font script="Tibt" typeface="Microsoft Himalaya"/>
+        <a:font script="Thaa" typeface="MV Boli"/>
+        <a:font script="Deva" typeface="Mangal"/>
+        <a:font script="Telu" typeface="Gautami"/>
+        <a:font script="Taml" typeface="Latha"/>
+        <a:font script="Syrc" typeface="Estrangelo Edessa"/>
+        <a:font script="Orya" typeface="Kalinga"/>
+        <a:font script="Mlym" typeface="Kartika"/>
+        <a:font script="Laoo" typeface="DokChampa"/>
+        <a:font script="Sinh" typeface="Iskoola Pota"/>
+        <a:font script="Mong" typeface="Mongolian Baiti"/>
+        <a:font script="Viet" typeface="Arial"/>
+        <a:font script="Uigh" typeface="Microsoft Uighur"/>
+        <a:font script="Geor" typeface="Sylfaen"/>
+      </a:minorFont>
+    </a:fontScheme>
+    <a:fmtScheme name="Office">
+      <a:fillStyleLst>
+        <a:solidFill>
+          <a:schemeClr val="phClr"/>
+        </a:solidFill>
+        <a:gradFill rotWithShape="1">
+          <a:gsLst>
+            <a:gs pos="0">
+              <a:schemeClr val="phClr">
+                <a:lumMod val="110000"/>
+                <a:satMod val="105000"/>
+                <a:tint val="67000"/>
+              </a:schemeClr>
+            </a:gs>
+            <a:gs pos="50000">
+              <a:schemeClr val="phClr">
+                <a:lumMod val="105000"/>
+                <a:satMod val="103000"/>
+                <a:tint val="73000"/>
+              </a:schemeClr>
+            </a:gs>
+            <a:gs pos="100000">
+              <a:schemeClr val="phClr">
+                <a:lumMod val="105000"/>
+                <a:satMod val="109000"/>
+                <a:tint val="81000"/>
+              </a:schemeClr>
+            </a:gs>
+          </a:gsLst>
+          <a:lin ang="5400000" scaled="0"/>
+        </a:gradFill>
+        <a:gradFill rotWithShape="1">
+          <a:gsLst>
+            <a:gs pos="0">
+              <a:schemeClr val="phClr">
+                <a:satMod val="103000"/>
+                <a:lumMod val="102000"/>
+                <a:tint val="94000"/>
+              </a:schemeClr>
+            </a:gs>
+            <a:gs pos="50000">
+              <a:schemeClr val="phClr">
+                <a:satMod val="110000"/>
+                <a:lumMod val="100000"/>
+                <a:shade val="100000"/>
+              </a:schemeClr>
+            </a:gs>
+            <a:gs pos="100000">
+              <a:schemeClr val="phClr">
+                <a:lumMod val="99000"/>
+                <a:satMod val="120000"/>
+                <a:shade val="78000"/>
+              </a:schemeClr>
+            </a:gs>
+          </a:gsLst>
+          <a:lin ang="5400000" scaled="0"/>
+        </a:gradFill>
+      </a:fillStyleLst>
+      <a:lnStyleLst>
+        <a:ln w="6350" cap="flat" cmpd="sng" algn="ctr">
+          <a:solidFill>
+            <a:schemeClr val="phClr"/>
+          </a:solidFill>
+          <a:prstDash val="solid"/>
+          <a:miter lim="800000"/>
+        </a:ln>
+        <a:ln w="12700" cap="flat" cmpd="sng" algn="ctr">
+          <a:solidFill>
+            <a:schemeClr val="phClr"/>
+          </a:solidFill>
+          <a:prstDash val="solid"/>
+          <a:miter lim="800000"/>
+        </a:ln>
+        <a:ln w="19050" cap="flat" cmpd="sng" algn="ctr">
+          <a:solidFill>
+            <a:schemeClr val="phClr"/>
+          </a:solidFill>
+          <a:prstDash val="solid"/>
+          <a:miter lim="800000"/>
+        </a:ln>
+      </a:lnStyleLst>
+      <a:effectStyleLst>
+        <a:effectStyle>
+          <a:effectLst/>
+        </a:effectStyle>
+        <a:effectStyle>
+          <a:effectLst/>
+        </a:effectStyle>
+        <a:effectStyle>
+          <a:effectLst>
+            <a:outerShdw blurRad="57150" dist="19050" dir="5400000" algn="ctr" rotWithShape="0">
+              <a:srgbClr val="000000">
+                <a:alpha val="63000"/>
+              </a:srgbClr>
+            </a:outerShdw>
+          </a:effectLst>
+        </a:effectStyle>
+      </a:effectStyleLst>
+      <a:bgFillStyleLst>
+        <a:solidFill>
+          <a:schemeClr val="phClr"/>
+        </a:solidFill>
+        <a:solidFill>
+          <a:schemeClr val="phClr">
+            <a:tint val="95000"/>
+            <a:satMod val="170000"/>
+          </a:schemeClr>
+        </a:solidFill>
+        <a:gradFill rotWithShape="1">
+          <a:gsLst>
+            <a:gs pos="0">
+              <a:schemeClr val="phClr">
+                <a:tint val="93000"/>
+                <a:satMod val="150000"/>
+                <a:shade val="98000"/>
+                <a:lumMod val="102000"/>
+              </a:schemeClr>
+            </a:gs>
+            <a:gs pos="50000">
+              <a:schemeClr val="phClr">
+                <a:tint val="98000"/>
+                <a:satMod val="130000"/>
+                <a:shade val="90000"/>
+                <a:lumMod val="103000"/>
+              </a:schemeClr>
+            </a:gs>
+            <a:gs pos="100000">
+              <a:schemeClr val="phClr">
+                <a:shade val="63000"/>
+                <a:satMod val="120000"/>
+              </a:schemeClr>
+            </a:gs>
+          </a:gsLst>
+          <a:lin ang="5400000" scaled="0"/>
+        </a:gradFill>
+      </a:bgFillStyleLst>
+    </a:fmtScheme>
+  </a:themeElements>
+  <a:objectDefaults/>
+  <a:extraClrSchemeLst/>
+  <a:extLst>
+    <a:ext uri="{05A4C25C-085E-4340-85A3-A5531E510DB2}">
+      <thm15:themeFamily xmlns:thm15="http://schemas.microsoft.com/office/thememl/2012/main" name="Office Theme" id="{62F939B6-93AF-4DB8-9C6B-D6C7DFDC589F}" vid="{4A3C46E8-61CC-4603-A589-7422A47A8E4A}"/>
+    </a:ext>
+  </a:extLst>
+</a:theme>
 </file>